--- a/Slides/ECTTP_Les_10_Overview.pptx
+++ b/Slides/ECTTP_Les_10_Overview.pptx
@@ -5,7 +5,7 @@
     <p:sldMasterId id="2147483660" r:id="rId1"/>
   </p:sldMasterIdLst>
   <p:notesMasterIdLst>
-    <p:notesMasterId r:id="rId12"/>
+    <p:notesMasterId r:id="rId13"/>
   </p:notesMasterIdLst>
   <p:sldIdLst>
     <p:sldId id="354" r:id="rId2"/>
@@ -16,8 +16,9 @@
     <p:sldId id="399" r:id="rId7"/>
     <p:sldId id="400" r:id="rId8"/>
     <p:sldId id="401" r:id="rId9"/>
-    <p:sldId id="387" r:id="rId10"/>
-    <p:sldId id="273" r:id="rId11"/>
+    <p:sldId id="402" r:id="rId10"/>
+    <p:sldId id="387" r:id="rId11"/>
+    <p:sldId id="273" r:id="rId12"/>
   </p:sldIdLst>
   <p:sldSz cx="9144000" cy="6858000" type="screen4x3"/>
   <p:notesSz cx="6858000" cy="9144000"/>
@@ -4519,11 +4520,7 @@
           <a:p>
             <a:r>
               <a:rPr lang="nl-NL" dirty="0" smtClean="0"/>
-              <a:t>ECTTP: </a:t>
-            </a:r>
-            <a:r>
-              <a:rPr lang="nl-NL" dirty="0" smtClean="0"/>
-              <a:t>Overview</a:t>
+              <a:t>ECTTP: Overview</a:t>
             </a:r>
             <a:endParaRPr lang="nl-NL" dirty="0"/>
           </a:p>
@@ -4995,6 +4992,88 @@
           <a:lstStyle/>
           <a:p>
             <a:r>
+              <a:rPr lang="nl-NL" dirty="0" smtClean="0"/>
+              <a:t>Learn to Code!</a:t>
+            </a:r>
+            <a:endParaRPr lang="nl-NL" dirty="0"/>
+          </a:p>
+        </p:txBody>
+      </p:sp>
+      <p:sp>
+        <p:nvSpPr>
+          <p:cNvPr id="3" name="Content Placeholder 2"/>
+          <p:cNvSpPr>
+            <a:spLocks noGrp="1"/>
+          </p:cNvSpPr>
+          <p:nvPr>
+            <p:ph idx="1"/>
+          </p:nvPr>
+        </p:nvSpPr>
+        <p:spPr/>
+        <p:txBody>
+          <a:bodyPr/>
+          <a:lstStyle/>
+          <a:p>
+            <a:endParaRPr lang="nl-NL" dirty="0" smtClean="0"/>
+          </a:p>
+          <a:p>
+            <a:r>
+              <a:rPr lang="nl-NL" dirty="0" smtClean="0"/>
+              <a:t>https</a:t>
+            </a:r>
+            <a:r>
+              <a:rPr lang="nl-NL" dirty="0"/>
+              <a:t>://www.sololearn.com/Courses/</a:t>
+            </a:r>
+          </a:p>
+        </p:txBody>
+      </p:sp>
+    </p:spTree>
+    <p:extLst>
+      <p:ext uri="{BB962C8B-B14F-4D97-AF65-F5344CB8AC3E}">
+        <p14:creationId xmlns:p14="http://schemas.microsoft.com/office/powerpoint/2010/main" val="1467409791"/>
+      </p:ext>
+    </p:extLst>
+  </p:cSld>
+  <p:clrMapOvr>
+    <a:masterClrMapping/>
+  </p:clrMapOvr>
+</p:sld>
+</file>
+
+<file path=ppt/slides/slide11.xml><?xml version="1.0" encoding="utf-8"?>
+<p:sld xmlns:a="http://schemas.openxmlformats.org/drawingml/2006/main" xmlns:r="http://schemas.openxmlformats.org/officeDocument/2006/relationships" xmlns:p="http://schemas.openxmlformats.org/presentationml/2006/main">
+  <p:cSld>
+    <p:spTree>
+      <p:nvGrpSpPr>
+        <p:cNvPr id="1" name=""/>
+        <p:cNvGrpSpPr/>
+        <p:nvPr/>
+      </p:nvGrpSpPr>
+      <p:grpSpPr>
+        <a:xfrm>
+          <a:off x="0" y="0"/>
+          <a:ext cx="0" cy="0"/>
+          <a:chOff x="0" y="0"/>
+          <a:chExt cx="0" cy="0"/>
+        </a:xfrm>
+      </p:grpSpPr>
+      <p:sp>
+        <p:nvSpPr>
+          <p:cNvPr id="2" name="Title 1"/>
+          <p:cNvSpPr>
+            <a:spLocks noGrp="1"/>
+          </p:cNvSpPr>
+          <p:nvPr>
+            <p:ph type="title"/>
+          </p:nvPr>
+        </p:nvSpPr>
+        <p:spPr/>
+        <p:txBody>
+          <a:bodyPr/>
+          <a:lstStyle/>
+          <a:p>
+            <a:r>
               <a:rPr lang="nl-NL" dirty="0" err="1" smtClean="0"/>
               <a:t>Eighth</a:t>
             </a:r>
@@ -5296,11 +5375,7 @@
           <a:p>
             <a:r>
               <a:rPr lang="en-US" dirty="0" smtClean="0"/>
-              <a:t>Week Seven:  How to think as a </a:t>
-            </a:r>
-            <a:r>
-              <a:rPr lang="en-US" dirty="0" smtClean="0"/>
-              <a:t>programmer</a:t>
+              <a:t>Week Seven:  How to think as a programmer</a:t>
             </a:r>
             <a:endParaRPr lang="en-US" dirty="0"/>
           </a:p>
@@ -5356,11 +5431,7 @@
           <a:p>
             <a:r>
               <a:rPr lang="en-US" b="1" dirty="0" smtClean="0"/>
-              <a:t>Week Nine</a:t>
-            </a:r>
-            <a:r>
-              <a:rPr lang="en-US" b="1" dirty="0" smtClean="0"/>
-              <a:t>: Overview</a:t>
+              <a:t>Week Nine: Overview</a:t>
             </a:r>
             <a:r>
               <a:rPr lang="en-US" dirty="0">
@@ -5396,11 +5467,7 @@
           <a:p>
             <a:r>
               <a:rPr lang="en-US" dirty="0" smtClean="0"/>
-              <a:t>Week Eleven</a:t>
-            </a:r>
-            <a:r>
-              <a:rPr lang="en-US" dirty="0" smtClean="0"/>
-              <a:t>: </a:t>
+              <a:t>Week Eleven: </a:t>
             </a:r>
             <a:r>
               <a:rPr lang="en-US" dirty="0" err="1" smtClean="0"/>
@@ -6896,7 +6963,7 @@
           <a:p>
             <a:r>
               <a:rPr lang="nl-NL" dirty="0" smtClean="0"/>
-              <a:t>Learn to Code!</a:t>
+              <a:t>The Future!....?</a:t>
             </a:r>
             <a:endParaRPr lang="nl-NL" dirty="0"/>
           </a:p>
@@ -6922,19 +6989,35 @@
           <a:p>
             <a:r>
               <a:rPr lang="nl-NL" dirty="0" smtClean="0"/>
-              <a:t>https</a:t>
-            </a:r>
+              <a:t>Arduino (C)</a:t>
+            </a:r>
+          </a:p>
+          <a:p>
             <a:r>
               <a:rPr lang="nl-NL" dirty="0"/>
-              <a:t>://www.sololearn.com/Courses/</a:t>
-            </a:r>
+              <a:t>Unity (</a:t>
+            </a:r>
+            <a:r>
+              <a:rPr lang="nl-NL"/>
+              <a:t>C</a:t>
+            </a:r>
+            <a:r>
+              <a:rPr lang="nl-NL" smtClean="0"/>
+              <a:t>#)</a:t>
+            </a:r>
+          </a:p>
+          <a:p>
+            <a:endParaRPr lang="nl-NL" dirty="0"/>
+          </a:p>
+          <a:p>
+            <a:endParaRPr lang="nl-NL" dirty="0"/>
           </a:p>
         </p:txBody>
       </p:sp>
     </p:spTree>
     <p:extLst>
       <p:ext uri="{BB962C8B-B14F-4D97-AF65-F5344CB8AC3E}">
-        <p14:creationId xmlns:p14="http://schemas.microsoft.com/office/powerpoint/2010/main" val="1467409791"/>
+        <p14:creationId xmlns:p14="http://schemas.microsoft.com/office/powerpoint/2010/main" val="1475047317"/>
       </p:ext>
     </p:extLst>
   </p:cSld>

--- a/Slides/ECTTP_Les_10_Overview.pptx
+++ b/Slides/ECTTP_Les_10_Overview.pptx
@@ -5,7 +5,7 @@
     <p:sldMasterId id="2147483660" r:id="rId1"/>
   </p:sldMasterIdLst>
   <p:notesMasterIdLst>
-    <p:notesMasterId r:id="rId13"/>
+    <p:notesMasterId r:id="rId20"/>
   </p:notesMasterIdLst>
   <p:sldIdLst>
     <p:sldId id="354" r:id="rId2"/>
@@ -16,9 +16,16 @@
     <p:sldId id="399" r:id="rId7"/>
     <p:sldId id="400" r:id="rId8"/>
     <p:sldId id="401" r:id="rId9"/>
-    <p:sldId id="402" r:id="rId10"/>
-    <p:sldId id="387" r:id="rId11"/>
-    <p:sldId id="273" r:id="rId12"/>
+    <p:sldId id="404" r:id="rId10"/>
+    <p:sldId id="405" r:id="rId11"/>
+    <p:sldId id="406" r:id="rId12"/>
+    <p:sldId id="407" r:id="rId13"/>
+    <p:sldId id="408" r:id="rId14"/>
+    <p:sldId id="403" r:id="rId15"/>
+    <p:sldId id="402" r:id="rId16"/>
+    <p:sldId id="409" r:id="rId17"/>
+    <p:sldId id="387" r:id="rId18"/>
+    <p:sldId id="273" r:id="rId19"/>
   </p:sldIdLst>
   <p:sldSz cx="9144000" cy="6858000" type="screen4x3"/>
   <p:notesSz cx="6858000" cy="9144000"/>
@@ -202,7 +209,7 @@
           <a:p>
             <a:fld id="{982F5773-A4C2-49AD-B804-F6F9DAD548FC}" type="datetimeFigureOut">
               <a:rPr lang="nl-NL" smtClean="0"/>
-              <a:t>16-11-2016</a:t>
+              <a:t>17-11-2016</a:t>
             </a:fld>
             <a:endParaRPr lang="nl-NL"/>
           </a:p>
@@ -1455,7 +1462,7 @@
           <a:p>
             <a:fld id="{DE04339C-2201-45A8-9ECB-B18791DD5D3F}" type="datetimeFigureOut">
               <a:rPr lang="nl-NL" smtClean="0"/>
-              <a:t>16-11-2016</a:t>
+              <a:t>17-11-2016</a:t>
             </a:fld>
             <a:endParaRPr lang="nl-NL"/>
           </a:p>
@@ -1620,7 +1627,7 @@
           <a:p>
             <a:fld id="{DE04339C-2201-45A8-9ECB-B18791DD5D3F}" type="datetimeFigureOut">
               <a:rPr lang="nl-NL" smtClean="0"/>
-              <a:t>16-11-2016</a:t>
+              <a:t>17-11-2016</a:t>
             </a:fld>
             <a:endParaRPr lang="nl-NL"/>
           </a:p>
@@ -1795,7 +1802,7 @@
           <a:p>
             <a:fld id="{DE04339C-2201-45A8-9ECB-B18791DD5D3F}" type="datetimeFigureOut">
               <a:rPr lang="nl-NL" smtClean="0"/>
-              <a:t>16-11-2016</a:t>
+              <a:t>17-11-2016</a:t>
             </a:fld>
             <a:endParaRPr lang="nl-NL"/>
           </a:p>
@@ -1978,7 +1985,7 @@
           <a:p>
             <a:fld id="{DE04339C-2201-45A8-9ECB-B18791DD5D3F}" type="datetimeFigureOut">
               <a:rPr lang="nl-NL" smtClean="0"/>
-              <a:t>16-11-2016</a:t>
+              <a:t>17-11-2016</a:t>
             </a:fld>
             <a:endParaRPr lang="nl-NL"/>
           </a:p>
@@ -2240,7 +2247,7 @@
           <a:p>
             <a:fld id="{DE04339C-2201-45A8-9ECB-B18791DD5D3F}" type="datetimeFigureOut">
               <a:rPr lang="nl-NL" smtClean="0"/>
-              <a:t>16-11-2016</a:t>
+              <a:t>17-11-2016</a:t>
             </a:fld>
             <a:endParaRPr lang="nl-NL"/>
           </a:p>
@@ -2588,7 +2595,7 @@
           <a:p>
             <a:fld id="{DE04339C-2201-45A8-9ECB-B18791DD5D3F}" type="datetimeFigureOut">
               <a:rPr lang="nl-NL" smtClean="0"/>
-              <a:t>16-11-2016</a:t>
+              <a:t>17-11-2016</a:t>
             </a:fld>
             <a:endParaRPr lang="nl-NL"/>
           </a:p>
@@ -2896,7 +2903,7 @@
           <a:p>
             <a:fld id="{DE04339C-2201-45A8-9ECB-B18791DD5D3F}" type="datetimeFigureOut">
               <a:rPr lang="nl-NL" smtClean="0"/>
-              <a:t>16-11-2016</a:t>
+              <a:t>17-11-2016</a:t>
             </a:fld>
             <a:endParaRPr lang="nl-NL"/>
           </a:p>
@@ -3123,7 +3130,7 @@
           <a:p>
             <a:fld id="{DE04339C-2201-45A8-9ECB-B18791DD5D3F}" type="datetimeFigureOut">
               <a:rPr lang="nl-NL" smtClean="0"/>
-              <a:t>16-11-2016</a:t>
+              <a:t>17-11-2016</a:t>
             </a:fld>
             <a:endParaRPr lang="nl-NL"/>
           </a:p>
@@ -3213,7 +3220,7 @@
           <a:p>
             <a:fld id="{DE04339C-2201-45A8-9ECB-B18791DD5D3F}" type="datetimeFigureOut">
               <a:rPr lang="nl-NL" smtClean="0"/>
-              <a:t>16-11-2016</a:t>
+              <a:t>17-11-2016</a:t>
             </a:fld>
             <a:endParaRPr lang="nl-NL"/>
           </a:p>
@@ -3501,7 +3508,7 @@
           <a:p>
             <a:fld id="{DE04339C-2201-45A8-9ECB-B18791DD5D3F}" type="datetimeFigureOut">
               <a:rPr lang="nl-NL" smtClean="0"/>
-              <a:t>16-11-2016</a:t>
+              <a:t>17-11-2016</a:t>
             </a:fld>
             <a:endParaRPr lang="nl-NL"/>
           </a:p>
@@ -3770,7 +3777,7 @@
           <a:p>
             <a:fld id="{DE04339C-2201-45A8-9ECB-B18791DD5D3F}" type="datetimeFigureOut">
               <a:rPr lang="nl-NL" smtClean="0"/>
-              <a:t>16-11-2016</a:t>
+              <a:t>17-11-2016</a:t>
             </a:fld>
             <a:endParaRPr lang="nl-NL"/>
           </a:p>
@@ -3980,7 +3987,7 @@
           <a:p>
             <a:fld id="{DE04339C-2201-45A8-9ECB-B18791DD5D3F}" type="datetimeFigureOut">
               <a:rPr lang="nl-NL" smtClean="0"/>
-              <a:t>16-11-2016</a:t>
+              <a:t>17-11-2016</a:t>
             </a:fld>
             <a:endParaRPr lang="nl-NL"/>
           </a:p>
@@ -4520,7 +4527,11 @@
           <a:p>
             <a:r>
               <a:rPr lang="nl-NL" dirty="0" smtClean="0"/>
-              <a:t>ECTTP: Overview</a:t>
+              <a:t>ECTTP: </a:t>
+            </a:r>
+            <a:r>
+              <a:rPr lang="nl-NL" dirty="0" err="1" smtClean="0"/>
+              <a:t>Dictionaries</a:t>
             </a:r>
             <a:endParaRPr lang="nl-NL" dirty="0"/>
           </a:p>
@@ -4992,6 +5003,1187 @@
           <a:lstStyle/>
           <a:p>
             <a:r>
+              <a:rPr lang="en-US" dirty="0" smtClean="0"/>
+              <a:t>Example</a:t>
+            </a:r>
+            <a:endParaRPr lang="en-US" dirty="0"/>
+          </a:p>
+        </p:txBody>
+      </p:sp>
+      <p:sp>
+        <p:nvSpPr>
+          <p:cNvPr id="3" name="Content Placeholder 2"/>
+          <p:cNvSpPr>
+            <a:spLocks noGrp="1"/>
+          </p:cNvSpPr>
+          <p:nvPr>
+            <p:ph idx="1"/>
+          </p:nvPr>
+        </p:nvSpPr>
+        <p:spPr/>
+        <p:txBody>
+          <a:bodyPr/>
+          <a:lstStyle/>
+          <a:p>
+            <a:r>
+              <a:rPr lang="en-US" dirty="0" err="1" smtClean="0"/>
+              <a:t>Definitie</a:t>
+            </a:r>
+            <a:r>
+              <a:rPr lang="en-US" dirty="0" smtClean="0"/>
+              <a:t>:</a:t>
+            </a:r>
+          </a:p>
+          <a:p>
+            <a:r>
+              <a:rPr lang="en-US" dirty="0" smtClean="0"/>
+              <a:t>phonebook </a:t>
+            </a:r>
+            <a:r>
+              <a:rPr lang="en-US" dirty="0"/>
+              <a:t>=</a:t>
+            </a:r>
+            <a:r>
+              <a:rPr lang="en-US" dirty="0"/>
+              <a:t> </a:t>
+            </a:r>
+            <a:r>
+              <a:rPr lang="en-US" dirty="0"/>
+              <a:t>{}</a:t>
+            </a:r>
+            <a:r>
+              <a:rPr lang="en-US" dirty="0"/>
+              <a:t> </a:t>
+            </a:r>
+            <a:endParaRPr lang="en-US" dirty="0" smtClean="0"/>
+          </a:p>
+          <a:p>
+            <a:endParaRPr lang="en-US" dirty="0" smtClean="0"/>
+          </a:p>
+          <a:p>
+            <a:r>
+              <a:rPr lang="en-US" dirty="0" err="1" smtClean="0"/>
+              <a:t>Elementen</a:t>
+            </a:r>
+            <a:r>
+              <a:rPr lang="en-US" dirty="0" smtClean="0"/>
+              <a:t>:</a:t>
+            </a:r>
+          </a:p>
+          <a:p>
+            <a:r>
+              <a:rPr lang="en-US" dirty="0" smtClean="0"/>
+              <a:t>phonebook</a:t>
+            </a:r>
+            <a:r>
+              <a:rPr lang="en-US" dirty="0"/>
+              <a:t>["John"]</a:t>
+            </a:r>
+            <a:r>
+              <a:rPr lang="en-US" dirty="0"/>
+              <a:t> </a:t>
+            </a:r>
+            <a:r>
+              <a:rPr lang="en-US" dirty="0"/>
+              <a:t>=</a:t>
+            </a:r>
+            <a:r>
+              <a:rPr lang="en-US" dirty="0"/>
+              <a:t> </a:t>
+            </a:r>
+            <a:r>
+              <a:rPr lang="en-US" dirty="0"/>
+              <a:t>938477566</a:t>
+            </a:r>
+            <a:r>
+              <a:rPr lang="en-US" dirty="0"/>
+              <a:t> </a:t>
+            </a:r>
+            <a:endParaRPr lang="en-US" dirty="0" smtClean="0"/>
+          </a:p>
+          <a:p>
+            <a:r>
+              <a:rPr lang="en-US" dirty="0" smtClean="0"/>
+              <a:t>phonebook</a:t>
+            </a:r>
+            <a:r>
+              <a:rPr lang="en-US" dirty="0"/>
+              <a:t>["Jack"]</a:t>
+            </a:r>
+            <a:r>
+              <a:rPr lang="en-US" dirty="0"/>
+              <a:t> </a:t>
+            </a:r>
+            <a:r>
+              <a:rPr lang="en-US" dirty="0"/>
+              <a:t>=</a:t>
+            </a:r>
+            <a:r>
+              <a:rPr lang="en-US" dirty="0"/>
+              <a:t> </a:t>
+            </a:r>
+            <a:r>
+              <a:rPr lang="en-US" dirty="0"/>
+              <a:t>938377264</a:t>
+            </a:r>
+            <a:r>
+              <a:rPr lang="en-US" dirty="0"/>
+              <a:t> </a:t>
+            </a:r>
+            <a:endParaRPr lang="en-US" dirty="0" smtClean="0"/>
+          </a:p>
+          <a:p>
+            <a:r>
+              <a:rPr lang="en-US" dirty="0" smtClean="0"/>
+              <a:t>phonebook</a:t>
+            </a:r>
+            <a:r>
+              <a:rPr lang="en-US" dirty="0"/>
+              <a:t>["Jill"]</a:t>
+            </a:r>
+            <a:r>
+              <a:rPr lang="en-US" dirty="0"/>
+              <a:t> </a:t>
+            </a:r>
+            <a:r>
+              <a:rPr lang="en-US" dirty="0"/>
+              <a:t>=</a:t>
+            </a:r>
+            <a:r>
+              <a:rPr lang="en-US" dirty="0"/>
+              <a:t> </a:t>
+            </a:r>
+            <a:r>
+              <a:rPr lang="en-US" dirty="0"/>
+              <a:t>947662781</a:t>
+            </a:r>
+            <a:endParaRPr lang="en-US" dirty="0"/>
+          </a:p>
+        </p:txBody>
+      </p:sp>
+    </p:spTree>
+    <p:extLst>
+      <p:ext uri="{BB962C8B-B14F-4D97-AF65-F5344CB8AC3E}">
+        <p14:creationId xmlns:p14="http://schemas.microsoft.com/office/powerpoint/2010/main" val="2518211125"/>
+      </p:ext>
+    </p:extLst>
+  </p:cSld>
+  <p:clrMapOvr>
+    <a:masterClrMapping/>
+  </p:clrMapOvr>
+</p:sld>
+</file>
+
+<file path=ppt/slides/slide11.xml><?xml version="1.0" encoding="utf-8"?>
+<p:sld xmlns:a="http://schemas.openxmlformats.org/drawingml/2006/main" xmlns:r="http://schemas.openxmlformats.org/officeDocument/2006/relationships" xmlns:p="http://schemas.openxmlformats.org/presentationml/2006/main">
+  <p:cSld>
+    <p:spTree>
+      <p:nvGrpSpPr>
+        <p:cNvPr id="1" name=""/>
+        <p:cNvGrpSpPr/>
+        <p:nvPr/>
+      </p:nvGrpSpPr>
+      <p:grpSpPr>
+        <a:xfrm>
+          <a:off x="0" y="0"/>
+          <a:ext cx="0" cy="0"/>
+          <a:chOff x="0" y="0"/>
+          <a:chExt cx="0" cy="0"/>
+        </a:xfrm>
+      </p:grpSpPr>
+      <p:sp>
+        <p:nvSpPr>
+          <p:cNvPr id="2" name="Title 1"/>
+          <p:cNvSpPr>
+            <a:spLocks noGrp="1"/>
+          </p:cNvSpPr>
+          <p:nvPr>
+            <p:ph type="title"/>
+          </p:nvPr>
+        </p:nvSpPr>
+        <p:spPr/>
+        <p:txBody>
+          <a:bodyPr/>
+          <a:lstStyle/>
+          <a:p>
+            <a:r>
+              <a:rPr lang="en-US" dirty="0" smtClean="0"/>
+              <a:t>Initializing a Dictionary</a:t>
+            </a:r>
+            <a:endParaRPr lang="en-US" dirty="0"/>
+          </a:p>
+        </p:txBody>
+      </p:sp>
+      <p:sp>
+        <p:nvSpPr>
+          <p:cNvPr id="3" name="Content Placeholder 2"/>
+          <p:cNvSpPr>
+            <a:spLocks noGrp="1"/>
+          </p:cNvSpPr>
+          <p:nvPr>
+            <p:ph idx="1"/>
+          </p:nvPr>
+        </p:nvSpPr>
+        <p:spPr/>
+        <p:txBody>
+          <a:bodyPr/>
+          <a:lstStyle/>
+          <a:p>
+            <a:endParaRPr lang="en-US" dirty="0" smtClean="0"/>
+          </a:p>
+          <a:p>
+            <a:r>
+              <a:rPr lang="en-US" dirty="0" smtClean="0"/>
+              <a:t>phonebook </a:t>
+            </a:r>
+            <a:r>
+              <a:rPr lang="en-US" dirty="0"/>
+              <a:t>=</a:t>
+            </a:r>
+            <a:r>
+              <a:rPr lang="en-US" dirty="0"/>
+              <a:t> </a:t>
+            </a:r>
+            <a:endParaRPr lang="en-US" dirty="0" smtClean="0"/>
+          </a:p>
+          <a:p>
+            <a:r>
+              <a:rPr lang="en-US" dirty="0" smtClean="0"/>
+              <a:t>{ </a:t>
+            </a:r>
+          </a:p>
+          <a:p>
+            <a:r>
+              <a:rPr lang="en-US" dirty="0" smtClean="0"/>
+              <a:t>"</a:t>
+            </a:r>
+            <a:r>
+              <a:rPr lang="en-US" dirty="0"/>
+              <a:t>John"</a:t>
+            </a:r>
+            <a:r>
+              <a:rPr lang="en-US" dirty="0"/>
+              <a:t> </a:t>
+            </a:r>
+            <a:r>
+              <a:rPr lang="en-US" dirty="0"/>
+              <a:t>:</a:t>
+            </a:r>
+            <a:r>
+              <a:rPr lang="en-US" dirty="0"/>
+              <a:t> </a:t>
+            </a:r>
+            <a:r>
+              <a:rPr lang="en-US" dirty="0"/>
+              <a:t>938477566,</a:t>
+            </a:r>
+            <a:r>
+              <a:rPr lang="en-US" dirty="0"/>
+              <a:t> </a:t>
+            </a:r>
+            <a:endParaRPr lang="en-US" dirty="0" smtClean="0"/>
+          </a:p>
+          <a:p>
+            <a:r>
+              <a:rPr lang="en-US" dirty="0" smtClean="0"/>
+              <a:t>"</a:t>
+            </a:r>
+            <a:r>
+              <a:rPr lang="en-US" dirty="0"/>
+              <a:t>Jack"</a:t>
+            </a:r>
+            <a:r>
+              <a:rPr lang="en-US" dirty="0"/>
+              <a:t> </a:t>
+            </a:r>
+            <a:r>
+              <a:rPr lang="en-US" dirty="0"/>
+              <a:t>:</a:t>
+            </a:r>
+            <a:r>
+              <a:rPr lang="en-US" dirty="0"/>
+              <a:t> </a:t>
+            </a:r>
+            <a:r>
+              <a:rPr lang="en-US" dirty="0"/>
+              <a:t>938377264,</a:t>
+            </a:r>
+            <a:r>
+              <a:rPr lang="en-US" dirty="0"/>
+              <a:t> </a:t>
+            </a:r>
+            <a:endParaRPr lang="en-US" dirty="0" smtClean="0"/>
+          </a:p>
+          <a:p>
+            <a:r>
+              <a:rPr lang="en-US" dirty="0" smtClean="0"/>
+              <a:t>"</a:t>
+            </a:r>
+            <a:r>
+              <a:rPr lang="en-US" dirty="0"/>
+              <a:t>Jill"</a:t>
+            </a:r>
+            <a:r>
+              <a:rPr lang="en-US" dirty="0"/>
+              <a:t> </a:t>
+            </a:r>
+            <a:r>
+              <a:rPr lang="en-US" dirty="0"/>
+              <a:t>:</a:t>
+            </a:r>
+            <a:r>
+              <a:rPr lang="en-US" dirty="0"/>
+              <a:t> </a:t>
+            </a:r>
+            <a:r>
+              <a:rPr lang="en-US" dirty="0" smtClean="0"/>
+              <a:t>947662781</a:t>
+            </a:r>
+          </a:p>
+          <a:p>
+            <a:r>
+              <a:rPr lang="en-US" dirty="0" smtClean="0"/>
+              <a:t> </a:t>
+            </a:r>
+            <a:r>
+              <a:rPr lang="en-US" dirty="0"/>
+              <a:t>}</a:t>
+            </a:r>
+            <a:endParaRPr lang="en-US" dirty="0"/>
+          </a:p>
+        </p:txBody>
+      </p:sp>
+    </p:spTree>
+    <p:extLst>
+      <p:ext uri="{BB962C8B-B14F-4D97-AF65-F5344CB8AC3E}">
+        <p14:creationId xmlns:p14="http://schemas.microsoft.com/office/powerpoint/2010/main" val="3324269481"/>
+      </p:ext>
+    </p:extLst>
+  </p:cSld>
+  <p:clrMapOvr>
+    <a:masterClrMapping/>
+  </p:clrMapOvr>
+</p:sld>
+</file>
+
+<file path=ppt/slides/slide12.xml><?xml version="1.0" encoding="utf-8"?>
+<p:sld xmlns:a="http://schemas.openxmlformats.org/drawingml/2006/main" xmlns:r="http://schemas.openxmlformats.org/officeDocument/2006/relationships" xmlns:p="http://schemas.openxmlformats.org/presentationml/2006/main">
+  <p:cSld>
+    <p:spTree>
+      <p:nvGrpSpPr>
+        <p:cNvPr id="1" name=""/>
+        <p:cNvGrpSpPr/>
+        <p:nvPr/>
+      </p:nvGrpSpPr>
+      <p:grpSpPr>
+        <a:xfrm>
+          <a:off x="0" y="0"/>
+          <a:ext cx="0" cy="0"/>
+          <a:chOff x="0" y="0"/>
+          <a:chExt cx="0" cy="0"/>
+        </a:xfrm>
+      </p:grpSpPr>
+      <p:sp>
+        <p:nvSpPr>
+          <p:cNvPr id="2" name="Title 1"/>
+          <p:cNvSpPr>
+            <a:spLocks noGrp="1"/>
+          </p:cNvSpPr>
+          <p:nvPr>
+            <p:ph type="title"/>
+          </p:nvPr>
+        </p:nvSpPr>
+        <p:spPr/>
+        <p:txBody>
+          <a:bodyPr/>
+          <a:lstStyle/>
+          <a:p>
+            <a:r>
+              <a:rPr lang="en-US" dirty="0" smtClean="0"/>
+              <a:t>Iterating over dictionary</a:t>
+            </a:r>
+            <a:endParaRPr lang="en-US" dirty="0"/>
+          </a:p>
+        </p:txBody>
+      </p:sp>
+      <p:sp>
+        <p:nvSpPr>
+          <p:cNvPr id="3" name="Content Placeholder 2"/>
+          <p:cNvSpPr>
+            <a:spLocks noGrp="1"/>
+          </p:cNvSpPr>
+          <p:nvPr>
+            <p:ph idx="1"/>
+          </p:nvPr>
+        </p:nvSpPr>
+        <p:spPr/>
+        <p:txBody>
+          <a:bodyPr/>
+          <a:lstStyle/>
+          <a:p>
+            <a:endParaRPr lang="en-US" dirty="0" smtClean="0"/>
+          </a:p>
+          <a:p>
+            <a:r>
+              <a:rPr lang="en-US" dirty="0" smtClean="0">
+                <a:solidFill>
+                  <a:srgbClr val="00B050"/>
+                </a:solidFill>
+              </a:rPr>
+              <a:t>for</a:t>
+            </a:r>
+            <a:r>
+              <a:rPr lang="en-US" dirty="0" smtClean="0"/>
+              <a:t> </a:t>
+            </a:r>
+            <a:r>
+              <a:rPr lang="en-US" dirty="0">
+                <a:solidFill>
+                  <a:srgbClr val="0070C0"/>
+                </a:solidFill>
+              </a:rPr>
+              <a:t>name</a:t>
+            </a:r>
+            <a:r>
+              <a:rPr lang="en-US" dirty="0">
+                <a:solidFill>
+                  <a:srgbClr val="0070C0"/>
+                </a:solidFill>
+              </a:rPr>
+              <a:t>,</a:t>
+            </a:r>
+            <a:r>
+              <a:rPr lang="en-US" dirty="0">
+                <a:solidFill>
+                  <a:srgbClr val="0070C0"/>
+                </a:solidFill>
+              </a:rPr>
+              <a:t> number </a:t>
+            </a:r>
+            <a:r>
+              <a:rPr lang="en-US" dirty="0">
+                <a:solidFill>
+                  <a:srgbClr val="00B050"/>
+                </a:solidFill>
+              </a:rPr>
+              <a:t>in</a:t>
+            </a:r>
+            <a:r>
+              <a:rPr lang="en-US" dirty="0"/>
+              <a:t> </a:t>
+            </a:r>
+            <a:r>
+              <a:rPr lang="en-US" dirty="0" err="1">
+                <a:solidFill>
+                  <a:srgbClr val="FF0000"/>
+                </a:solidFill>
+              </a:rPr>
+              <a:t>phonebook</a:t>
+            </a:r>
+            <a:r>
+              <a:rPr lang="en-US" dirty="0" err="1">
+                <a:solidFill>
+                  <a:srgbClr val="FF0000"/>
+                </a:solidFill>
+              </a:rPr>
+              <a:t>.</a:t>
+            </a:r>
+            <a:r>
+              <a:rPr lang="en-US" dirty="0" err="1">
+                <a:solidFill>
+                  <a:srgbClr val="FF0000"/>
+                </a:solidFill>
+              </a:rPr>
+              <a:t>iteritems</a:t>
+            </a:r>
+            <a:r>
+              <a:rPr lang="en-US" dirty="0"/>
+              <a:t>():</a:t>
+            </a:r>
+            <a:r>
+              <a:rPr lang="en-US" dirty="0"/>
+              <a:t> </a:t>
+            </a:r>
+            <a:endParaRPr lang="en-US" dirty="0" smtClean="0"/>
+          </a:p>
+          <a:p>
+            <a:pPr lvl="1"/>
+            <a:r>
+              <a:rPr lang="en-US" dirty="0" smtClean="0"/>
+              <a:t>print </a:t>
+            </a:r>
+            <a:r>
+              <a:rPr lang="en-US" dirty="0"/>
+              <a:t>"Phone </a:t>
+            </a:r>
+            <a:r>
+              <a:rPr lang="en-US" dirty="0" smtClean="0"/>
+              <a:t>number </a:t>
+            </a:r>
+            <a:r>
+              <a:rPr lang="en-US" dirty="0"/>
+              <a:t>of %s is %d"</a:t>
+            </a:r>
+            <a:r>
+              <a:rPr lang="en-US" dirty="0"/>
+              <a:t> </a:t>
+            </a:r>
+            <a:r>
+              <a:rPr lang="en-US" dirty="0"/>
+              <a:t>%</a:t>
+            </a:r>
+            <a:r>
+              <a:rPr lang="en-US" dirty="0"/>
+              <a:t> </a:t>
+            </a:r>
+            <a:r>
+              <a:rPr lang="en-US" dirty="0"/>
+              <a:t>(</a:t>
+            </a:r>
+            <a:r>
+              <a:rPr lang="en-US" dirty="0"/>
+              <a:t>name</a:t>
+            </a:r>
+            <a:r>
+              <a:rPr lang="en-US" dirty="0"/>
+              <a:t>,</a:t>
+            </a:r>
+            <a:r>
+              <a:rPr lang="en-US" dirty="0"/>
+              <a:t> number</a:t>
+            </a:r>
+            <a:r>
+              <a:rPr lang="en-US" dirty="0" smtClean="0"/>
+              <a:t>)</a:t>
+            </a:r>
+          </a:p>
+          <a:p>
+            <a:pPr lvl="1"/>
+            <a:r>
+              <a:rPr lang="en-US" dirty="0" smtClean="0"/>
+              <a:t>print “Phone number “+name+ “ is “ + </a:t>
+            </a:r>
+            <a:r>
+              <a:rPr lang="en-US" dirty="0" err="1" smtClean="0"/>
+              <a:t>str</a:t>
+            </a:r>
+            <a:r>
+              <a:rPr lang="en-US" dirty="0" smtClean="0"/>
+              <a:t>(number)</a:t>
+            </a:r>
+            <a:endParaRPr lang="en-US" dirty="0"/>
+          </a:p>
+        </p:txBody>
+      </p:sp>
+    </p:spTree>
+    <p:extLst>
+      <p:ext uri="{BB962C8B-B14F-4D97-AF65-F5344CB8AC3E}">
+        <p14:creationId xmlns:p14="http://schemas.microsoft.com/office/powerpoint/2010/main" val="367818292"/>
+      </p:ext>
+    </p:extLst>
+  </p:cSld>
+  <p:clrMapOvr>
+    <a:masterClrMapping/>
+  </p:clrMapOvr>
+</p:sld>
+</file>
+
+<file path=ppt/slides/slide13.xml><?xml version="1.0" encoding="utf-8"?>
+<p:sld xmlns:a="http://schemas.openxmlformats.org/drawingml/2006/main" xmlns:r="http://schemas.openxmlformats.org/officeDocument/2006/relationships" xmlns:p="http://schemas.openxmlformats.org/presentationml/2006/main">
+  <p:cSld>
+    <p:spTree>
+      <p:nvGrpSpPr>
+        <p:cNvPr id="1" name=""/>
+        <p:cNvGrpSpPr/>
+        <p:nvPr/>
+      </p:nvGrpSpPr>
+      <p:grpSpPr>
+        <a:xfrm>
+          <a:off x="0" y="0"/>
+          <a:ext cx="0" cy="0"/>
+          <a:chOff x="0" y="0"/>
+          <a:chExt cx="0" cy="0"/>
+        </a:xfrm>
+      </p:grpSpPr>
+      <p:sp>
+        <p:nvSpPr>
+          <p:cNvPr id="2" name="Title 1"/>
+          <p:cNvSpPr>
+            <a:spLocks noGrp="1"/>
+          </p:cNvSpPr>
+          <p:nvPr>
+            <p:ph type="title"/>
+          </p:nvPr>
+        </p:nvSpPr>
+        <p:spPr/>
+        <p:txBody>
+          <a:bodyPr/>
+          <a:lstStyle/>
+          <a:p>
+            <a:r>
+              <a:rPr lang="en-US" dirty="0" smtClean="0"/>
+              <a:t>Removing elements</a:t>
+            </a:r>
+            <a:endParaRPr lang="en-US" dirty="0"/>
+          </a:p>
+        </p:txBody>
+      </p:sp>
+      <p:sp>
+        <p:nvSpPr>
+          <p:cNvPr id="3" name="Content Placeholder 2"/>
+          <p:cNvSpPr>
+            <a:spLocks noGrp="1"/>
+          </p:cNvSpPr>
+          <p:nvPr>
+            <p:ph idx="1"/>
+          </p:nvPr>
+        </p:nvSpPr>
+        <p:spPr/>
+        <p:txBody>
+          <a:bodyPr/>
+          <a:lstStyle/>
+          <a:p>
+            <a:endParaRPr lang="en-US" dirty="0" smtClean="0"/>
+          </a:p>
+          <a:p>
+            <a:endParaRPr lang="en-US" dirty="0"/>
+          </a:p>
+          <a:p>
+            <a:r>
+              <a:rPr lang="en-US" dirty="0"/>
+              <a:t>del</a:t>
+            </a:r>
+            <a:r>
+              <a:rPr lang="en-US" dirty="0"/>
+              <a:t> phonebook</a:t>
+            </a:r>
+            <a:r>
+              <a:rPr lang="en-US" dirty="0"/>
+              <a:t>["John</a:t>
+            </a:r>
+            <a:r>
+              <a:rPr lang="en-US" dirty="0" smtClean="0"/>
+              <a:t>"]</a:t>
+            </a:r>
+          </a:p>
+          <a:p>
+            <a:endParaRPr lang="en-US" dirty="0"/>
+          </a:p>
+          <a:p>
+            <a:r>
+              <a:rPr lang="en-US" dirty="0" smtClean="0"/>
+              <a:t>Of</a:t>
+            </a:r>
+          </a:p>
+          <a:p>
+            <a:endParaRPr lang="en-US" dirty="0"/>
+          </a:p>
+          <a:p>
+            <a:r>
+              <a:rPr lang="en-US" dirty="0" err="1"/>
+              <a:t>phonebook</a:t>
+            </a:r>
+            <a:r>
+              <a:rPr lang="en-US" dirty="0" err="1"/>
+              <a:t>.</a:t>
+            </a:r>
+            <a:r>
+              <a:rPr lang="en-US" dirty="0" err="1"/>
+              <a:t>pop</a:t>
+            </a:r>
+            <a:r>
+              <a:rPr lang="en-US" dirty="0"/>
+              <a:t>("John")</a:t>
+            </a:r>
+            <a:endParaRPr lang="en-US" dirty="0"/>
+          </a:p>
+        </p:txBody>
+      </p:sp>
+    </p:spTree>
+    <p:extLst>
+      <p:ext uri="{BB962C8B-B14F-4D97-AF65-F5344CB8AC3E}">
+        <p14:creationId xmlns:p14="http://schemas.microsoft.com/office/powerpoint/2010/main" val="2367221817"/>
+      </p:ext>
+    </p:extLst>
+  </p:cSld>
+  <p:clrMapOvr>
+    <a:masterClrMapping/>
+  </p:clrMapOvr>
+</p:sld>
+</file>
+
+<file path=ppt/slides/slide14.xml><?xml version="1.0" encoding="utf-8"?>
+<p:sld xmlns:a="http://schemas.openxmlformats.org/drawingml/2006/main" xmlns:r="http://schemas.openxmlformats.org/officeDocument/2006/relationships" xmlns:p="http://schemas.openxmlformats.org/presentationml/2006/main">
+  <p:cSld>
+    <p:spTree>
+      <p:nvGrpSpPr>
+        <p:cNvPr id="1" name=""/>
+        <p:cNvGrpSpPr/>
+        <p:nvPr/>
+      </p:nvGrpSpPr>
+      <p:grpSpPr>
+        <a:xfrm>
+          <a:off x="0" y="0"/>
+          <a:ext cx="0" cy="0"/>
+          <a:chOff x="0" y="0"/>
+          <a:chExt cx="0" cy="0"/>
+        </a:xfrm>
+      </p:grpSpPr>
+      <p:sp>
+        <p:nvSpPr>
+          <p:cNvPr id="2" name="Title 1"/>
+          <p:cNvSpPr>
+            <a:spLocks noGrp="1"/>
+          </p:cNvSpPr>
+          <p:nvPr>
+            <p:ph type="title"/>
+          </p:nvPr>
+        </p:nvSpPr>
+        <p:spPr/>
+        <p:txBody>
+          <a:bodyPr/>
+          <a:lstStyle/>
+          <a:p>
+            <a:r>
+              <a:rPr lang="en-US" dirty="0" err="1" smtClean="0"/>
+              <a:t>Toets</a:t>
+            </a:r>
+            <a:r>
+              <a:rPr lang="en-US" dirty="0" smtClean="0"/>
+              <a:t> 2</a:t>
+            </a:r>
+            <a:endParaRPr lang="en-US" dirty="0"/>
+          </a:p>
+        </p:txBody>
+      </p:sp>
+      <p:sp>
+        <p:nvSpPr>
+          <p:cNvPr id="3" name="Content Placeholder 2"/>
+          <p:cNvSpPr>
+            <a:spLocks noGrp="1"/>
+          </p:cNvSpPr>
+          <p:nvPr>
+            <p:ph idx="1"/>
+          </p:nvPr>
+        </p:nvSpPr>
+        <p:spPr/>
+        <p:txBody>
+          <a:bodyPr/>
+          <a:lstStyle/>
+          <a:p>
+            <a:endParaRPr lang="en-US" dirty="0" smtClean="0"/>
+          </a:p>
+          <a:p>
+            <a:r>
+              <a:rPr lang="en-US" dirty="0" err="1" smtClean="0"/>
+              <a:t>Maak</a:t>
+            </a:r>
+            <a:r>
+              <a:rPr lang="en-US" dirty="0" smtClean="0"/>
+              <a:t> </a:t>
+            </a:r>
+            <a:r>
+              <a:rPr lang="en-US" dirty="0" err="1" smtClean="0"/>
+              <a:t>een</a:t>
+            </a:r>
+            <a:r>
+              <a:rPr lang="en-US" dirty="0" smtClean="0"/>
+              <a:t> </a:t>
+            </a:r>
+            <a:r>
+              <a:rPr lang="en-US" dirty="0" err="1" smtClean="0"/>
+              <a:t>programma</a:t>
+            </a:r>
+            <a:r>
+              <a:rPr lang="en-US" dirty="0" smtClean="0"/>
+              <a:t> (met </a:t>
+            </a:r>
+            <a:r>
+              <a:rPr lang="en-US" dirty="0" err="1" smtClean="0"/>
+              <a:t>een</a:t>
+            </a:r>
+            <a:r>
+              <a:rPr lang="en-US" dirty="0" smtClean="0"/>
+              <a:t> </a:t>
+            </a:r>
+            <a:r>
+              <a:rPr lang="en-US" dirty="0" err="1" smtClean="0"/>
+              <a:t>aantal</a:t>
+            </a:r>
+            <a:r>
+              <a:rPr lang="en-US" dirty="0" smtClean="0"/>
+              <a:t> </a:t>
+            </a:r>
+            <a:r>
+              <a:rPr lang="en-US" dirty="0" err="1" smtClean="0"/>
+              <a:t>eisen</a:t>
+            </a:r>
+            <a:r>
+              <a:rPr lang="en-US" dirty="0" smtClean="0"/>
+              <a:t>)</a:t>
+            </a:r>
+          </a:p>
+          <a:p>
+            <a:r>
+              <a:rPr lang="en-US" dirty="0" smtClean="0"/>
+              <a:t>Basic, Advanced of Expert</a:t>
+            </a:r>
+          </a:p>
+          <a:p>
+            <a:r>
+              <a:rPr lang="en-US" dirty="0" smtClean="0"/>
+              <a:t>Hoe </a:t>
+            </a:r>
+            <a:r>
+              <a:rPr lang="en-US" dirty="0" err="1" smtClean="0"/>
+              <a:t>complexer</a:t>
+            </a:r>
+            <a:r>
+              <a:rPr lang="en-US" dirty="0" smtClean="0"/>
+              <a:t> hoe </a:t>
+            </a:r>
+            <a:r>
+              <a:rPr lang="en-US" dirty="0" err="1" smtClean="0"/>
+              <a:t>hoger</a:t>
+            </a:r>
+            <a:r>
+              <a:rPr lang="en-US" dirty="0" smtClean="0"/>
+              <a:t> je </a:t>
+            </a:r>
+            <a:r>
+              <a:rPr lang="en-US" dirty="0" err="1" smtClean="0"/>
+              <a:t>cijfer</a:t>
+            </a:r>
+            <a:endParaRPr lang="en-US" dirty="0"/>
+          </a:p>
+        </p:txBody>
+      </p:sp>
+    </p:spTree>
+    <p:extLst>
+      <p:ext uri="{BB962C8B-B14F-4D97-AF65-F5344CB8AC3E}">
+        <p14:creationId xmlns:p14="http://schemas.microsoft.com/office/powerpoint/2010/main" val="2216269898"/>
+      </p:ext>
+    </p:extLst>
+  </p:cSld>
+  <p:clrMapOvr>
+    <a:masterClrMapping/>
+  </p:clrMapOvr>
+</p:sld>
+</file>
+
+<file path=ppt/slides/slide15.xml><?xml version="1.0" encoding="utf-8"?>
+<p:sld xmlns:a="http://schemas.openxmlformats.org/drawingml/2006/main" xmlns:r="http://schemas.openxmlformats.org/officeDocument/2006/relationships" xmlns:p="http://schemas.openxmlformats.org/presentationml/2006/main">
+  <p:cSld>
+    <p:spTree>
+      <p:nvGrpSpPr>
+        <p:cNvPr id="1" name=""/>
+        <p:cNvGrpSpPr/>
+        <p:nvPr/>
+      </p:nvGrpSpPr>
+      <p:grpSpPr>
+        <a:xfrm>
+          <a:off x="0" y="0"/>
+          <a:ext cx="0" cy="0"/>
+          <a:chOff x="0" y="0"/>
+          <a:chExt cx="0" cy="0"/>
+        </a:xfrm>
+      </p:grpSpPr>
+      <p:sp>
+        <p:nvSpPr>
+          <p:cNvPr id="2" name="Title 1"/>
+          <p:cNvSpPr>
+            <a:spLocks noGrp="1"/>
+          </p:cNvSpPr>
+          <p:nvPr>
+            <p:ph type="title"/>
+          </p:nvPr>
+        </p:nvSpPr>
+        <p:spPr/>
+        <p:txBody>
+          <a:bodyPr/>
+          <a:lstStyle/>
+          <a:p>
+            <a:r>
+              <a:rPr lang="nl-NL" dirty="0" smtClean="0"/>
+              <a:t>The Future!....?</a:t>
+            </a:r>
+            <a:endParaRPr lang="nl-NL" dirty="0"/>
+          </a:p>
+        </p:txBody>
+      </p:sp>
+      <p:sp>
+        <p:nvSpPr>
+          <p:cNvPr id="3" name="Content Placeholder 2"/>
+          <p:cNvSpPr>
+            <a:spLocks noGrp="1"/>
+          </p:cNvSpPr>
+          <p:nvPr>
+            <p:ph idx="1"/>
+          </p:nvPr>
+        </p:nvSpPr>
+        <p:spPr/>
+        <p:txBody>
+          <a:bodyPr/>
+          <a:lstStyle/>
+          <a:p>
+            <a:endParaRPr lang="nl-NL" dirty="0" smtClean="0"/>
+          </a:p>
+          <a:p>
+            <a:r>
+              <a:rPr lang="nl-NL" dirty="0" smtClean="0"/>
+              <a:t>Arduino (C)</a:t>
+            </a:r>
+          </a:p>
+          <a:p>
+            <a:r>
+              <a:rPr lang="nl-NL" dirty="0"/>
+              <a:t>Unity (</a:t>
+            </a:r>
+            <a:r>
+              <a:rPr lang="nl-NL"/>
+              <a:t>C</a:t>
+            </a:r>
+            <a:r>
+              <a:rPr lang="nl-NL" smtClean="0"/>
+              <a:t>#)</a:t>
+            </a:r>
+          </a:p>
+          <a:p>
+            <a:endParaRPr lang="nl-NL" dirty="0"/>
+          </a:p>
+          <a:p>
+            <a:endParaRPr lang="nl-NL" dirty="0"/>
+          </a:p>
+        </p:txBody>
+      </p:sp>
+    </p:spTree>
+    <p:extLst>
+      <p:ext uri="{BB962C8B-B14F-4D97-AF65-F5344CB8AC3E}">
+        <p14:creationId xmlns:p14="http://schemas.microsoft.com/office/powerpoint/2010/main" val="1475047317"/>
+      </p:ext>
+    </p:extLst>
+  </p:cSld>
+  <p:clrMapOvr>
+    <a:masterClrMapping/>
+  </p:clrMapOvr>
+</p:sld>
+</file>
+
+<file path=ppt/slides/slide16.xml><?xml version="1.0" encoding="utf-8"?>
+<p:sld xmlns:a="http://schemas.openxmlformats.org/drawingml/2006/main" xmlns:r="http://schemas.openxmlformats.org/officeDocument/2006/relationships" xmlns:p="http://schemas.openxmlformats.org/presentationml/2006/main">
+  <p:cSld>
+    <p:spTree>
+      <p:nvGrpSpPr>
+        <p:cNvPr id="1" name=""/>
+        <p:cNvGrpSpPr/>
+        <p:nvPr/>
+      </p:nvGrpSpPr>
+      <p:grpSpPr>
+        <a:xfrm>
+          <a:off x="0" y="0"/>
+          <a:ext cx="0" cy="0"/>
+          <a:chOff x="0" y="0"/>
+          <a:chExt cx="0" cy="0"/>
+        </a:xfrm>
+      </p:grpSpPr>
+      <p:sp>
+        <p:nvSpPr>
+          <p:cNvPr id="2" name="Title 1"/>
+          <p:cNvSpPr>
+            <a:spLocks noGrp="1"/>
+          </p:cNvSpPr>
+          <p:nvPr>
+            <p:ph type="title"/>
+          </p:nvPr>
+        </p:nvSpPr>
+        <p:spPr/>
+        <p:txBody>
+          <a:bodyPr/>
+          <a:lstStyle/>
+          <a:p>
+            <a:r>
+              <a:rPr lang="en-US" dirty="0" err="1" smtClean="0"/>
+              <a:t>Opdracht</a:t>
+            </a:r>
+            <a:endParaRPr lang="en-US" dirty="0"/>
+          </a:p>
+        </p:txBody>
+      </p:sp>
+      <p:sp>
+        <p:nvSpPr>
+          <p:cNvPr id="3" name="Content Placeholder 2"/>
+          <p:cNvSpPr>
+            <a:spLocks noGrp="1"/>
+          </p:cNvSpPr>
+          <p:nvPr>
+            <p:ph idx="1"/>
+          </p:nvPr>
+        </p:nvSpPr>
+        <p:spPr/>
+        <p:txBody>
+          <a:bodyPr/>
+          <a:lstStyle/>
+          <a:p>
+            <a:endParaRPr lang="en-US" dirty="0" smtClean="0"/>
+          </a:p>
+          <a:p>
+            <a:r>
+              <a:rPr lang="en-US" dirty="0" err="1" smtClean="0"/>
+              <a:t>Bedenk</a:t>
+            </a:r>
+            <a:r>
+              <a:rPr lang="en-US" dirty="0" smtClean="0"/>
+              <a:t> </a:t>
+            </a:r>
+            <a:r>
+              <a:rPr lang="en-US" dirty="0" err="1" smtClean="0"/>
+              <a:t>welke</a:t>
+            </a:r>
+            <a:r>
+              <a:rPr lang="en-US" dirty="0" smtClean="0"/>
+              <a:t> </a:t>
+            </a:r>
+            <a:r>
+              <a:rPr lang="en-US" dirty="0" err="1" smtClean="0"/>
+              <a:t>elementen</a:t>
+            </a:r>
+            <a:r>
+              <a:rPr lang="en-US" dirty="0" smtClean="0"/>
+              <a:t> van </a:t>
+            </a:r>
+            <a:r>
+              <a:rPr lang="en-US" dirty="0" err="1" smtClean="0"/>
+              <a:t>programmeren</a:t>
+            </a:r>
+            <a:r>
+              <a:rPr lang="en-US" dirty="0" smtClean="0"/>
+              <a:t> je </a:t>
+            </a:r>
+            <a:r>
+              <a:rPr lang="en-US" dirty="0" err="1" smtClean="0"/>
+              <a:t>nog</a:t>
+            </a:r>
+            <a:r>
+              <a:rPr lang="en-US" dirty="0" smtClean="0"/>
+              <a:t> </a:t>
+            </a:r>
+            <a:r>
+              <a:rPr lang="en-US" dirty="0" err="1" smtClean="0"/>
+              <a:t>lastig</a:t>
+            </a:r>
+            <a:r>
+              <a:rPr lang="en-US" dirty="0" smtClean="0"/>
+              <a:t> </a:t>
+            </a:r>
+            <a:r>
+              <a:rPr lang="en-US" dirty="0" err="1" smtClean="0"/>
+              <a:t>vindt</a:t>
+            </a:r>
+            <a:endParaRPr lang="en-US" dirty="0" smtClean="0"/>
+          </a:p>
+          <a:p>
+            <a:r>
+              <a:rPr lang="en-US" dirty="0" err="1" smtClean="0"/>
+              <a:t>Maak</a:t>
+            </a:r>
+            <a:r>
+              <a:rPr lang="en-US" dirty="0" smtClean="0"/>
+              <a:t> </a:t>
+            </a:r>
+            <a:r>
+              <a:rPr lang="en-US" dirty="0" err="1" smtClean="0"/>
+              <a:t>een</a:t>
+            </a:r>
+            <a:r>
+              <a:rPr lang="en-US" dirty="0" smtClean="0"/>
+              <a:t> </a:t>
+            </a:r>
+            <a:r>
+              <a:rPr lang="en-US" dirty="0" err="1" smtClean="0"/>
+              <a:t>programma</a:t>
+            </a:r>
+            <a:r>
+              <a:rPr lang="en-US" dirty="0" smtClean="0"/>
+              <a:t> </a:t>
+            </a:r>
+            <a:r>
+              <a:rPr lang="en-US" dirty="0" err="1" smtClean="0"/>
+              <a:t>waarmee</a:t>
+            </a:r>
+            <a:r>
+              <a:rPr lang="en-US" dirty="0" smtClean="0"/>
+              <a:t> je </a:t>
+            </a:r>
+            <a:r>
+              <a:rPr lang="en-US" dirty="0" err="1" smtClean="0"/>
+              <a:t>precies</a:t>
+            </a:r>
+            <a:r>
+              <a:rPr lang="en-US" dirty="0" smtClean="0"/>
+              <a:t> die </a:t>
+            </a:r>
+            <a:r>
+              <a:rPr lang="en-US" dirty="0" err="1" smtClean="0"/>
+              <a:t>elementen</a:t>
+            </a:r>
+            <a:r>
+              <a:rPr lang="en-US" dirty="0" smtClean="0"/>
+              <a:t> </a:t>
+            </a:r>
+            <a:r>
+              <a:rPr lang="en-US" dirty="0" err="1" smtClean="0"/>
+              <a:t>oefent</a:t>
+            </a:r>
+            <a:endParaRPr lang="en-US" dirty="0"/>
+          </a:p>
+        </p:txBody>
+      </p:sp>
+    </p:spTree>
+    <p:extLst>
+      <p:ext uri="{BB962C8B-B14F-4D97-AF65-F5344CB8AC3E}">
+        <p14:creationId xmlns:p14="http://schemas.microsoft.com/office/powerpoint/2010/main" val="2819427709"/>
+      </p:ext>
+    </p:extLst>
+  </p:cSld>
+  <p:clrMapOvr>
+    <a:masterClrMapping/>
+  </p:clrMapOvr>
+</p:sld>
+</file>
+
+<file path=ppt/slides/slide17.xml><?xml version="1.0" encoding="utf-8"?>
+<p:sld xmlns:a="http://schemas.openxmlformats.org/drawingml/2006/main" xmlns:r="http://schemas.openxmlformats.org/officeDocument/2006/relationships" xmlns:p="http://schemas.openxmlformats.org/presentationml/2006/main">
+  <p:cSld>
+    <p:spTree>
+      <p:nvGrpSpPr>
+        <p:cNvPr id="1" name=""/>
+        <p:cNvGrpSpPr/>
+        <p:nvPr/>
+      </p:nvGrpSpPr>
+      <p:grpSpPr>
+        <a:xfrm>
+          <a:off x="0" y="0"/>
+          <a:ext cx="0" cy="0"/>
+          <a:chOff x="0" y="0"/>
+          <a:chExt cx="0" cy="0"/>
+        </a:xfrm>
+      </p:grpSpPr>
+      <p:sp>
+        <p:nvSpPr>
+          <p:cNvPr id="2" name="Title 1"/>
+          <p:cNvSpPr>
+            <a:spLocks noGrp="1"/>
+          </p:cNvSpPr>
+          <p:nvPr>
+            <p:ph type="title"/>
+          </p:nvPr>
+        </p:nvSpPr>
+        <p:spPr/>
+        <p:txBody>
+          <a:bodyPr/>
+          <a:lstStyle/>
+          <a:p>
+            <a:r>
               <a:rPr lang="nl-NL" dirty="0" smtClean="0"/>
               <a:t>Learn to Code!</a:t>
             </a:r>
@@ -5041,7 +6233,7 @@
 </p:sld>
 </file>
 
-<file path=ppt/slides/slide11.xml><?xml version="1.0" encoding="utf-8"?>
+<file path=ppt/slides/slide18.xml><?xml version="1.0" encoding="utf-8"?>
 <p:sld xmlns:a="http://schemas.openxmlformats.org/drawingml/2006/main" xmlns:r="http://schemas.openxmlformats.org/officeDocument/2006/relationships" xmlns:p="http://schemas.openxmlformats.org/presentationml/2006/main">
   <p:cSld>
     <p:spTree>
@@ -6962,10 +8154,10 @@
           <a:lstStyle/>
           <a:p>
             <a:r>
-              <a:rPr lang="nl-NL" dirty="0" smtClean="0"/>
-              <a:t>The Future!....?</a:t>
-            </a:r>
-            <a:endParaRPr lang="nl-NL" dirty="0"/>
+              <a:rPr lang="en-US" dirty="0" smtClean="0"/>
+              <a:t>Dictionaries</a:t>
+            </a:r>
+            <a:endParaRPr lang="en-US" dirty="0"/>
           </a:p>
         </p:txBody>
       </p:sp>
@@ -6984,40 +8176,204 @@
           <a:bodyPr/>
           <a:lstStyle/>
           <a:p>
-            <a:endParaRPr lang="nl-NL" dirty="0" smtClean="0"/>
-          </a:p>
-          <a:p>
-            <a:r>
-              <a:rPr lang="nl-NL" dirty="0" smtClean="0"/>
-              <a:t>Arduino (C)</a:t>
-            </a:r>
-          </a:p>
-          <a:p>
-            <a:r>
-              <a:rPr lang="nl-NL" dirty="0"/>
-              <a:t>Unity (</a:t>
-            </a:r>
-            <a:r>
-              <a:rPr lang="nl-NL"/>
-              <a:t>C</a:t>
-            </a:r>
-            <a:r>
-              <a:rPr lang="nl-NL" smtClean="0"/>
-              <a:t>#)</a:t>
-            </a:r>
-          </a:p>
-          <a:p>
-            <a:endParaRPr lang="nl-NL" dirty="0"/>
-          </a:p>
-          <a:p>
-            <a:endParaRPr lang="nl-NL" dirty="0"/>
+            <a:endParaRPr lang="en-US" dirty="0" smtClean="0"/>
+          </a:p>
+          <a:p>
+            <a:r>
+              <a:rPr lang="en-US" dirty="0" err="1" smtClean="0"/>
+              <a:t>Manier</a:t>
+            </a:r>
+            <a:r>
+              <a:rPr lang="en-US" dirty="0" smtClean="0"/>
+              <a:t> </a:t>
+            </a:r>
+            <a:r>
+              <a:rPr lang="en-US" dirty="0" err="1" smtClean="0"/>
+              <a:t>om</a:t>
+            </a:r>
+            <a:r>
+              <a:rPr lang="en-US" dirty="0" smtClean="0"/>
+              <a:t> </a:t>
+            </a:r>
+            <a:r>
+              <a:rPr lang="en-US" dirty="0" err="1" smtClean="0"/>
+              <a:t>meerdere</a:t>
+            </a:r>
+            <a:r>
+              <a:rPr lang="en-US" dirty="0" smtClean="0"/>
+              <a:t> </a:t>
+            </a:r>
+            <a:r>
+              <a:rPr lang="en-US" dirty="0" err="1" smtClean="0"/>
+              <a:t>elementen</a:t>
+            </a:r>
+            <a:r>
+              <a:rPr lang="en-US" dirty="0" smtClean="0"/>
+              <a:t> op </a:t>
+            </a:r>
+            <a:r>
+              <a:rPr lang="en-US" dirty="0" err="1" smtClean="0"/>
+              <a:t>te</a:t>
+            </a:r>
+            <a:r>
+              <a:rPr lang="en-US" dirty="0" smtClean="0"/>
+              <a:t> </a:t>
+            </a:r>
+            <a:r>
+              <a:rPr lang="en-US" dirty="0" err="1" smtClean="0"/>
+              <a:t>slaan</a:t>
+            </a:r>
+            <a:r>
+              <a:rPr lang="en-US" dirty="0" smtClean="0"/>
+              <a:t> (</a:t>
+            </a:r>
+            <a:r>
+              <a:rPr lang="en-US" dirty="0" err="1" smtClean="0"/>
+              <a:t>zoals</a:t>
+            </a:r>
+            <a:r>
+              <a:rPr lang="en-US" dirty="0" smtClean="0"/>
+              <a:t> </a:t>
+            </a:r>
+            <a:r>
+              <a:rPr lang="en-US" dirty="0" err="1" smtClean="0"/>
+              <a:t>bij</a:t>
+            </a:r>
+            <a:r>
+              <a:rPr lang="en-US" dirty="0" smtClean="0"/>
+              <a:t> </a:t>
+            </a:r>
+            <a:r>
+              <a:rPr lang="en-US" dirty="0" err="1" smtClean="0"/>
+              <a:t>een</a:t>
+            </a:r>
+            <a:r>
+              <a:rPr lang="en-US" dirty="0" smtClean="0"/>
+              <a:t> list)</a:t>
+            </a:r>
+          </a:p>
+          <a:p>
+            <a:r>
+              <a:rPr lang="en-US" dirty="0" err="1" smtClean="0"/>
+              <a:t>Sneller</a:t>
+            </a:r>
+            <a:r>
+              <a:rPr lang="en-US" dirty="0" smtClean="0"/>
+              <a:t> </a:t>
+            </a:r>
+            <a:r>
+              <a:rPr lang="en-US" dirty="0" err="1" smtClean="0"/>
+              <a:t>dan</a:t>
+            </a:r>
+            <a:r>
+              <a:rPr lang="en-US" dirty="0" smtClean="0"/>
+              <a:t> </a:t>
+            </a:r>
+            <a:r>
+              <a:rPr lang="en-US" dirty="0" err="1" smtClean="0"/>
+              <a:t>een</a:t>
+            </a:r>
+            <a:r>
+              <a:rPr lang="en-US" dirty="0" smtClean="0"/>
+              <a:t> list met </a:t>
+            </a:r>
+            <a:r>
+              <a:rPr lang="en-US" dirty="0" err="1" smtClean="0"/>
+              <a:t>opvragen</a:t>
+            </a:r>
+            <a:endParaRPr lang="en-US" dirty="0" smtClean="0"/>
+          </a:p>
+          <a:p>
+            <a:r>
+              <a:rPr lang="en-US" dirty="0" err="1" smtClean="0"/>
+              <a:t>Ongeordend</a:t>
+            </a:r>
+            <a:endParaRPr lang="en-US" dirty="0" smtClean="0"/>
+          </a:p>
+          <a:p>
+            <a:r>
+              <a:rPr lang="en-US" dirty="0" err="1" smtClean="0"/>
+              <a:t>Een</a:t>
+            </a:r>
+            <a:r>
+              <a:rPr lang="en-US" dirty="0" smtClean="0"/>
+              <a:t> dictionary </a:t>
+            </a:r>
+            <a:r>
+              <a:rPr lang="en-US" dirty="0" err="1" smtClean="0"/>
+              <a:t>werkt</a:t>
+            </a:r>
+            <a:r>
+              <a:rPr lang="en-US" dirty="0" smtClean="0"/>
+              <a:t> met Key-Value </a:t>
+            </a:r>
+            <a:r>
+              <a:rPr lang="en-US" dirty="0" err="1" smtClean="0"/>
+              <a:t>paren</a:t>
+            </a:r>
+            <a:endParaRPr lang="en-US" dirty="0" smtClean="0"/>
+          </a:p>
+          <a:p>
+            <a:r>
+              <a:rPr lang="en-US" dirty="0" smtClean="0"/>
+              <a:t>De Key </a:t>
+            </a:r>
+            <a:r>
+              <a:rPr lang="en-US" dirty="0"/>
+              <a:t>is </a:t>
+            </a:r>
+            <a:r>
+              <a:rPr lang="en-US" dirty="0" err="1" smtClean="0"/>
+              <a:t>uniek</a:t>
+            </a:r>
+            <a:r>
+              <a:rPr lang="en-US" dirty="0" smtClean="0"/>
+              <a:t> en </a:t>
+            </a:r>
+            <a:r>
+              <a:rPr lang="en-US" dirty="0" err="1" smtClean="0"/>
+              <a:t>wordt</a:t>
+            </a:r>
+            <a:r>
+              <a:rPr lang="en-US" dirty="0" smtClean="0"/>
+              <a:t> </a:t>
+            </a:r>
+            <a:r>
+              <a:rPr lang="en-US" dirty="0" err="1" smtClean="0"/>
+              <a:t>gebruikt</a:t>
+            </a:r>
+            <a:r>
+              <a:rPr lang="en-US" dirty="0" smtClean="0"/>
+              <a:t> </a:t>
+            </a:r>
+            <a:r>
+              <a:rPr lang="en-US" dirty="0" err="1" smtClean="0"/>
+              <a:t>om</a:t>
+            </a:r>
+            <a:r>
+              <a:rPr lang="en-US" dirty="0" smtClean="0"/>
+              <a:t> de Value op </a:t>
+            </a:r>
+            <a:r>
+              <a:rPr lang="en-US" dirty="0" err="1" smtClean="0"/>
+              <a:t>te</a:t>
+            </a:r>
+            <a:r>
+              <a:rPr lang="en-US" dirty="0" smtClean="0"/>
+              <a:t> </a:t>
+            </a:r>
+            <a:r>
+              <a:rPr lang="en-US" dirty="0" err="1" smtClean="0"/>
+              <a:t>vragen</a:t>
+            </a:r>
+            <a:endParaRPr lang="en-US" dirty="0"/>
           </a:p>
         </p:txBody>
       </p:sp>
     </p:spTree>
     <p:extLst>
       <p:ext uri="{BB962C8B-B14F-4D97-AF65-F5344CB8AC3E}">
-        <p14:creationId xmlns:p14="http://schemas.microsoft.com/office/powerpoint/2010/main" val="1475047317"/>
+        <p14:creationId xmlns:p14="http://schemas.microsoft.com/office/powerpoint/2010/main" val="3406862582"/>
       </p:ext>
     </p:extLst>
   </p:cSld>
